--- a/작업과정/카톡리뉴얼작업과정.pptx
+++ b/작업과정/카톡리뉴얼작업과정.pptx
@@ -5,7 +5,7 @@
     <p:sldMasterId id="2147483648" r:id="rId1"/>
   </p:sldMasterIdLst>
   <p:sldIdLst>
-    <p:sldId id="256" r:id="rId2"/>
+    <p:sldId id="257" r:id="rId2"/>
   </p:sldIdLst>
   <p:sldSz cx="12192000" cy="6858000"/>
   <p:notesSz cx="6858000" cy="9144000"/>
@@ -104,6 +104,11 @@
       </a:defRPr>
     </a:lvl9pPr>
   </p:defaultTextStyle>
+  <p:extLst>
+    <p:ext uri="{EFAFB233-063F-42B5-8137-9DF3F51BA10A}">
+      <p15:sldGuideLst xmlns:p15="http://schemas.microsoft.com/office/powerpoint/2012/main"/>
+    </p:ext>
+  </p:extLst>
 </p:presentation>
 </file>
 
@@ -129,7 +134,7 @@
           <p:cNvPr id="2" name="제목 1">
             <a:extLst>
               <a:ext uri="{FF2B5EF4-FFF2-40B4-BE49-F238E27FC236}">
-                <a16:creationId xmlns:a16="http://schemas.microsoft.com/office/drawing/2014/main" id="{36D37834-AA9C-A79C-BFA6-2298A7F9450C}"/>
+                <a16:creationId xmlns:a16="http://schemas.microsoft.com/office/drawing/2014/main" id="{CFDEBFCA-5C98-4FD4-30A0-E145609889DE}"/>
               </a:ext>
             </a:extLst>
           </p:cNvPr>
@@ -166,7 +171,7 @@
           <p:cNvPr id="3" name="부제목 2">
             <a:extLst>
               <a:ext uri="{FF2B5EF4-FFF2-40B4-BE49-F238E27FC236}">
-                <a16:creationId xmlns:a16="http://schemas.microsoft.com/office/drawing/2014/main" id="{DBB86292-BF37-4B07-C394-AEAC3103B1EC}"/>
+                <a16:creationId xmlns:a16="http://schemas.microsoft.com/office/drawing/2014/main" id="{CC32D2E8-B8F4-84DA-C9A3-F390581596D2}"/>
               </a:ext>
             </a:extLst>
           </p:cNvPr>
@@ -236,7 +241,7 @@
           <p:cNvPr id="4" name="날짜 개체 틀 3">
             <a:extLst>
               <a:ext uri="{FF2B5EF4-FFF2-40B4-BE49-F238E27FC236}">
-                <a16:creationId xmlns:a16="http://schemas.microsoft.com/office/drawing/2014/main" id="{968EF18A-5944-F3B9-9138-0B6A5D747722}"/>
+                <a16:creationId xmlns:a16="http://schemas.microsoft.com/office/drawing/2014/main" id="{0EF9A5A3-AFE1-B944-F3ED-B0BABE1DAA6D}"/>
               </a:ext>
             </a:extLst>
           </p:cNvPr>
@@ -252,9 +257,9 @@
           <a:bodyPr/>
           <a:lstStyle/>
           <a:p>
-            <a:fld id="{FB598EAC-106F-4171-9F9E-E7B25632752A}" type="datetimeFigureOut">
+            <a:fld id="{A5161D4B-C1A2-47ED-9EE4-4D6225666D43}" type="datetimeFigureOut">
               <a:rPr lang="ko-KR" altLang="en-US" smtClean="0"/>
-              <a:t>2024-06-14</a:t>
+              <a:t>2024-07-09</a:t>
             </a:fld>
             <a:endParaRPr lang="ko-KR" altLang="en-US"/>
           </a:p>
@@ -265,7 +270,7 @@
           <p:cNvPr id="5" name="바닥글 개체 틀 4">
             <a:extLst>
               <a:ext uri="{FF2B5EF4-FFF2-40B4-BE49-F238E27FC236}">
-                <a16:creationId xmlns:a16="http://schemas.microsoft.com/office/drawing/2014/main" id="{0BACC947-ECA3-E021-E142-0686260D521E}"/>
+                <a16:creationId xmlns:a16="http://schemas.microsoft.com/office/drawing/2014/main" id="{089E35D5-026F-2587-698F-33F71CD4FA75}"/>
               </a:ext>
             </a:extLst>
           </p:cNvPr>
@@ -290,7 +295,7 @@
           <p:cNvPr id="6" name="슬라이드 번호 개체 틀 5">
             <a:extLst>
               <a:ext uri="{FF2B5EF4-FFF2-40B4-BE49-F238E27FC236}">
-                <a16:creationId xmlns:a16="http://schemas.microsoft.com/office/drawing/2014/main" id="{7CCCD7F7-9D8D-9B15-97B4-23BFAFBCB99D}"/>
+                <a16:creationId xmlns:a16="http://schemas.microsoft.com/office/drawing/2014/main" id="{EECE8ACC-D8A5-48F4-10E4-3F3EDECF71F6}"/>
               </a:ext>
             </a:extLst>
           </p:cNvPr>
@@ -306,7 +311,7 @@
           <a:bodyPr/>
           <a:lstStyle/>
           <a:p>
-            <a:fld id="{AC2E9DA6-759B-488C-96FB-E103E2D20426}" type="slidenum">
+            <a:fld id="{81ED5FD5-1762-497D-998C-B2100769709A}" type="slidenum">
               <a:rPr lang="ko-KR" altLang="en-US" smtClean="0"/>
               <a:t>‹#›</a:t>
             </a:fld>
@@ -317,7 +322,7 @@
     </p:spTree>
     <p:extLst>
       <p:ext uri="{BB962C8B-B14F-4D97-AF65-F5344CB8AC3E}">
-        <p14:creationId xmlns:p14="http://schemas.microsoft.com/office/powerpoint/2010/main" val="599824245"/>
+        <p14:creationId xmlns:p14="http://schemas.microsoft.com/office/powerpoint/2010/main" val="3082114477"/>
       </p:ext>
     </p:extLst>
   </p:cSld>
@@ -349,7 +354,7 @@
           <p:cNvPr id="2" name="제목 1">
             <a:extLst>
               <a:ext uri="{FF2B5EF4-FFF2-40B4-BE49-F238E27FC236}">
-                <a16:creationId xmlns:a16="http://schemas.microsoft.com/office/drawing/2014/main" id="{CEAA9F77-8E51-120F-C5D2-36CD8F1853A5}"/>
+                <a16:creationId xmlns:a16="http://schemas.microsoft.com/office/drawing/2014/main" id="{71C2F705-58D3-904B-F68D-7C4D4E328917}"/>
               </a:ext>
             </a:extLst>
           </p:cNvPr>
@@ -377,7 +382,7 @@
           <p:cNvPr id="3" name="세로 텍스트 개체 틀 2">
             <a:extLst>
               <a:ext uri="{FF2B5EF4-FFF2-40B4-BE49-F238E27FC236}">
-                <a16:creationId xmlns:a16="http://schemas.microsoft.com/office/drawing/2014/main" id="{54448917-F7F2-6B4D-D2E0-D9C4C330C5E2}"/>
+                <a16:creationId xmlns:a16="http://schemas.microsoft.com/office/drawing/2014/main" id="{7195AEB1-0762-F91B-7D78-7C2F51F8FA86}"/>
               </a:ext>
             </a:extLst>
           </p:cNvPr>
@@ -434,7 +439,7 @@
           <p:cNvPr id="4" name="날짜 개체 틀 3">
             <a:extLst>
               <a:ext uri="{FF2B5EF4-FFF2-40B4-BE49-F238E27FC236}">
-                <a16:creationId xmlns:a16="http://schemas.microsoft.com/office/drawing/2014/main" id="{32B04AFC-7BB2-DFDF-9D27-8A8B390B8914}"/>
+                <a16:creationId xmlns:a16="http://schemas.microsoft.com/office/drawing/2014/main" id="{291E7BE2-5465-E590-3993-A66EF1D7E354}"/>
               </a:ext>
             </a:extLst>
           </p:cNvPr>
@@ -450,9 +455,9 @@
           <a:bodyPr/>
           <a:lstStyle/>
           <a:p>
-            <a:fld id="{FB598EAC-106F-4171-9F9E-E7B25632752A}" type="datetimeFigureOut">
+            <a:fld id="{A5161D4B-C1A2-47ED-9EE4-4D6225666D43}" type="datetimeFigureOut">
               <a:rPr lang="ko-KR" altLang="en-US" smtClean="0"/>
-              <a:t>2024-06-14</a:t>
+              <a:t>2024-07-09</a:t>
             </a:fld>
             <a:endParaRPr lang="ko-KR" altLang="en-US"/>
           </a:p>
@@ -463,7 +468,7 @@
           <p:cNvPr id="5" name="바닥글 개체 틀 4">
             <a:extLst>
               <a:ext uri="{FF2B5EF4-FFF2-40B4-BE49-F238E27FC236}">
-                <a16:creationId xmlns:a16="http://schemas.microsoft.com/office/drawing/2014/main" id="{2243627A-6164-44A3-7332-68F3DC916C18}"/>
+                <a16:creationId xmlns:a16="http://schemas.microsoft.com/office/drawing/2014/main" id="{26355F48-6039-7F0D-DCC9-2E74B9B48F6D}"/>
               </a:ext>
             </a:extLst>
           </p:cNvPr>
@@ -488,7 +493,7 @@
           <p:cNvPr id="6" name="슬라이드 번호 개체 틀 5">
             <a:extLst>
               <a:ext uri="{FF2B5EF4-FFF2-40B4-BE49-F238E27FC236}">
-                <a16:creationId xmlns:a16="http://schemas.microsoft.com/office/drawing/2014/main" id="{CA5B539B-C703-1058-A72E-986373656D12}"/>
+                <a16:creationId xmlns:a16="http://schemas.microsoft.com/office/drawing/2014/main" id="{C7F892A8-59AD-65FC-4A5B-A2D5316930E6}"/>
               </a:ext>
             </a:extLst>
           </p:cNvPr>
@@ -504,7 +509,7 @@
           <a:bodyPr/>
           <a:lstStyle/>
           <a:p>
-            <a:fld id="{AC2E9DA6-759B-488C-96FB-E103E2D20426}" type="slidenum">
+            <a:fld id="{81ED5FD5-1762-497D-998C-B2100769709A}" type="slidenum">
               <a:rPr lang="ko-KR" altLang="en-US" smtClean="0"/>
               <a:t>‹#›</a:t>
             </a:fld>
@@ -515,7 +520,7 @@
     </p:spTree>
     <p:extLst>
       <p:ext uri="{BB962C8B-B14F-4D97-AF65-F5344CB8AC3E}">
-        <p14:creationId xmlns:p14="http://schemas.microsoft.com/office/powerpoint/2010/main" val="1547593340"/>
+        <p14:creationId xmlns:p14="http://schemas.microsoft.com/office/powerpoint/2010/main" val="173563757"/>
       </p:ext>
     </p:extLst>
   </p:cSld>
@@ -547,7 +552,7 @@
           <p:cNvPr id="2" name="세로 제목 1">
             <a:extLst>
               <a:ext uri="{FF2B5EF4-FFF2-40B4-BE49-F238E27FC236}">
-                <a16:creationId xmlns:a16="http://schemas.microsoft.com/office/drawing/2014/main" id="{853C8781-441F-EA59-1987-3879E4D38B65}"/>
+                <a16:creationId xmlns:a16="http://schemas.microsoft.com/office/drawing/2014/main" id="{C886438F-C97E-7C45-8AD4-803442213EF6}"/>
               </a:ext>
             </a:extLst>
           </p:cNvPr>
@@ -580,7 +585,7 @@
           <p:cNvPr id="3" name="세로 텍스트 개체 틀 2">
             <a:extLst>
               <a:ext uri="{FF2B5EF4-FFF2-40B4-BE49-F238E27FC236}">
-                <a16:creationId xmlns:a16="http://schemas.microsoft.com/office/drawing/2014/main" id="{A46BEF99-5ECC-352C-C9FE-1ECFBCED9766}"/>
+                <a16:creationId xmlns:a16="http://schemas.microsoft.com/office/drawing/2014/main" id="{31120D33-9EC4-E244-9745-1841BB59A5AA}"/>
               </a:ext>
             </a:extLst>
           </p:cNvPr>
@@ -642,7 +647,7 @@
           <p:cNvPr id="4" name="날짜 개체 틀 3">
             <a:extLst>
               <a:ext uri="{FF2B5EF4-FFF2-40B4-BE49-F238E27FC236}">
-                <a16:creationId xmlns:a16="http://schemas.microsoft.com/office/drawing/2014/main" id="{3A169A83-92B7-5B32-4F74-D38219BD4E66}"/>
+                <a16:creationId xmlns:a16="http://schemas.microsoft.com/office/drawing/2014/main" id="{F9B0E7E5-00B8-3368-8A21-68AFB417E567}"/>
               </a:ext>
             </a:extLst>
           </p:cNvPr>
@@ -658,9 +663,9 @@
           <a:bodyPr/>
           <a:lstStyle/>
           <a:p>
-            <a:fld id="{FB598EAC-106F-4171-9F9E-E7B25632752A}" type="datetimeFigureOut">
+            <a:fld id="{A5161D4B-C1A2-47ED-9EE4-4D6225666D43}" type="datetimeFigureOut">
               <a:rPr lang="ko-KR" altLang="en-US" smtClean="0"/>
-              <a:t>2024-06-14</a:t>
+              <a:t>2024-07-09</a:t>
             </a:fld>
             <a:endParaRPr lang="ko-KR" altLang="en-US"/>
           </a:p>
@@ -671,7 +676,7 @@
           <p:cNvPr id="5" name="바닥글 개체 틀 4">
             <a:extLst>
               <a:ext uri="{FF2B5EF4-FFF2-40B4-BE49-F238E27FC236}">
-                <a16:creationId xmlns:a16="http://schemas.microsoft.com/office/drawing/2014/main" id="{098A323D-3AA4-393C-BFB1-EEA33E80D29B}"/>
+                <a16:creationId xmlns:a16="http://schemas.microsoft.com/office/drawing/2014/main" id="{15C051F2-6F24-EB72-ED1D-66D1BCB85E8C}"/>
               </a:ext>
             </a:extLst>
           </p:cNvPr>
@@ -696,7 +701,7 @@
           <p:cNvPr id="6" name="슬라이드 번호 개체 틀 5">
             <a:extLst>
               <a:ext uri="{FF2B5EF4-FFF2-40B4-BE49-F238E27FC236}">
-                <a16:creationId xmlns:a16="http://schemas.microsoft.com/office/drawing/2014/main" id="{745E16B9-3190-25EA-ADFE-93B871B7CD0C}"/>
+                <a16:creationId xmlns:a16="http://schemas.microsoft.com/office/drawing/2014/main" id="{0070F720-0D1C-5DC8-215C-D22FC2692F04}"/>
               </a:ext>
             </a:extLst>
           </p:cNvPr>
@@ -712,7 +717,7 @@
           <a:bodyPr/>
           <a:lstStyle/>
           <a:p>
-            <a:fld id="{AC2E9DA6-759B-488C-96FB-E103E2D20426}" type="slidenum">
+            <a:fld id="{81ED5FD5-1762-497D-998C-B2100769709A}" type="slidenum">
               <a:rPr lang="ko-KR" altLang="en-US" smtClean="0"/>
               <a:t>‹#›</a:t>
             </a:fld>
@@ -723,7 +728,7 @@
     </p:spTree>
     <p:extLst>
       <p:ext uri="{BB962C8B-B14F-4D97-AF65-F5344CB8AC3E}">
-        <p14:creationId xmlns:p14="http://schemas.microsoft.com/office/powerpoint/2010/main" val="1399125743"/>
+        <p14:creationId xmlns:p14="http://schemas.microsoft.com/office/powerpoint/2010/main" val="724918127"/>
       </p:ext>
     </p:extLst>
   </p:cSld>
@@ -755,7 +760,7 @@
           <p:cNvPr id="2" name="제목 1">
             <a:extLst>
               <a:ext uri="{FF2B5EF4-FFF2-40B4-BE49-F238E27FC236}">
-                <a16:creationId xmlns:a16="http://schemas.microsoft.com/office/drawing/2014/main" id="{C04E1502-AF73-2753-DE5D-14C8FD0E27C1}"/>
+                <a16:creationId xmlns:a16="http://schemas.microsoft.com/office/drawing/2014/main" id="{C5DD97BC-7A96-4782-85D9-0412350DF57C}"/>
               </a:ext>
             </a:extLst>
           </p:cNvPr>
@@ -783,7 +788,7 @@
           <p:cNvPr id="3" name="내용 개체 틀 2">
             <a:extLst>
               <a:ext uri="{FF2B5EF4-FFF2-40B4-BE49-F238E27FC236}">
-                <a16:creationId xmlns:a16="http://schemas.microsoft.com/office/drawing/2014/main" id="{9A7C9F9C-25E2-1ACA-852D-67653375F50E}"/>
+                <a16:creationId xmlns:a16="http://schemas.microsoft.com/office/drawing/2014/main" id="{A2144DEC-D55F-31DF-9D7F-78A52B18F101}"/>
               </a:ext>
             </a:extLst>
           </p:cNvPr>
@@ -840,7 +845,7 @@
           <p:cNvPr id="4" name="날짜 개체 틀 3">
             <a:extLst>
               <a:ext uri="{FF2B5EF4-FFF2-40B4-BE49-F238E27FC236}">
-                <a16:creationId xmlns:a16="http://schemas.microsoft.com/office/drawing/2014/main" id="{2131607E-D358-5D03-ED6B-2800F0E592FF}"/>
+                <a16:creationId xmlns:a16="http://schemas.microsoft.com/office/drawing/2014/main" id="{DC1C09B2-2550-0D29-836B-AAAAC9DF62FC}"/>
               </a:ext>
             </a:extLst>
           </p:cNvPr>
@@ -856,9 +861,9 @@
           <a:bodyPr/>
           <a:lstStyle/>
           <a:p>
-            <a:fld id="{FB598EAC-106F-4171-9F9E-E7B25632752A}" type="datetimeFigureOut">
+            <a:fld id="{A5161D4B-C1A2-47ED-9EE4-4D6225666D43}" type="datetimeFigureOut">
               <a:rPr lang="ko-KR" altLang="en-US" smtClean="0"/>
-              <a:t>2024-06-14</a:t>
+              <a:t>2024-07-09</a:t>
             </a:fld>
             <a:endParaRPr lang="ko-KR" altLang="en-US"/>
           </a:p>
@@ -869,7 +874,7 @@
           <p:cNvPr id="5" name="바닥글 개체 틀 4">
             <a:extLst>
               <a:ext uri="{FF2B5EF4-FFF2-40B4-BE49-F238E27FC236}">
-                <a16:creationId xmlns:a16="http://schemas.microsoft.com/office/drawing/2014/main" id="{0955B08D-D705-CC01-7B38-BF64B55454AE}"/>
+                <a16:creationId xmlns:a16="http://schemas.microsoft.com/office/drawing/2014/main" id="{5FB64FB1-5488-F12D-D5CF-7EBCEAC9CBDA}"/>
               </a:ext>
             </a:extLst>
           </p:cNvPr>
@@ -894,7 +899,7 @@
           <p:cNvPr id="6" name="슬라이드 번호 개체 틀 5">
             <a:extLst>
               <a:ext uri="{FF2B5EF4-FFF2-40B4-BE49-F238E27FC236}">
-                <a16:creationId xmlns:a16="http://schemas.microsoft.com/office/drawing/2014/main" id="{508BFA44-956D-1D80-73C8-E6FF695A7D01}"/>
+                <a16:creationId xmlns:a16="http://schemas.microsoft.com/office/drawing/2014/main" id="{218D6B3A-8C39-CA92-A528-A0AD028C95BA}"/>
               </a:ext>
             </a:extLst>
           </p:cNvPr>
@@ -910,7 +915,7 @@
           <a:bodyPr/>
           <a:lstStyle/>
           <a:p>
-            <a:fld id="{AC2E9DA6-759B-488C-96FB-E103E2D20426}" type="slidenum">
+            <a:fld id="{81ED5FD5-1762-497D-998C-B2100769709A}" type="slidenum">
               <a:rPr lang="ko-KR" altLang="en-US" smtClean="0"/>
               <a:t>‹#›</a:t>
             </a:fld>
@@ -921,7 +926,7 @@
     </p:spTree>
     <p:extLst>
       <p:ext uri="{BB962C8B-B14F-4D97-AF65-F5344CB8AC3E}">
-        <p14:creationId xmlns:p14="http://schemas.microsoft.com/office/powerpoint/2010/main" val="1467363221"/>
+        <p14:creationId xmlns:p14="http://schemas.microsoft.com/office/powerpoint/2010/main" val="1350181627"/>
       </p:ext>
     </p:extLst>
   </p:cSld>
@@ -953,7 +958,7 @@
           <p:cNvPr id="2" name="제목 1">
             <a:extLst>
               <a:ext uri="{FF2B5EF4-FFF2-40B4-BE49-F238E27FC236}">
-                <a16:creationId xmlns:a16="http://schemas.microsoft.com/office/drawing/2014/main" id="{71521B3B-85FD-CA98-5872-2B5E8E13D144}"/>
+                <a16:creationId xmlns:a16="http://schemas.microsoft.com/office/drawing/2014/main" id="{DB086AFA-D45F-42BB-9E61-B434E4026D2F}"/>
               </a:ext>
             </a:extLst>
           </p:cNvPr>
@@ -990,7 +995,7 @@
           <p:cNvPr id="3" name="텍스트 개체 틀 2">
             <a:extLst>
               <a:ext uri="{FF2B5EF4-FFF2-40B4-BE49-F238E27FC236}">
-                <a16:creationId xmlns:a16="http://schemas.microsoft.com/office/drawing/2014/main" id="{93B08C8D-4338-34DD-1858-7A676F5DC65B}"/>
+                <a16:creationId xmlns:a16="http://schemas.microsoft.com/office/drawing/2014/main" id="{A5830510-CBD0-5C41-47A9-1B59789803E2}"/>
               </a:ext>
             </a:extLst>
           </p:cNvPr>
@@ -1115,7 +1120,7 @@
           <p:cNvPr id="4" name="날짜 개체 틀 3">
             <a:extLst>
               <a:ext uri="{FF2B5EF4-FFF2-40B4-BE49-F238E27FC236}">
-                <a16:creationId xmlns:a16="http://schemas.microsoft.com/office/drawing/2014/main" id="{E08CF7EB-0E0D-92D0-3AFA-E5FB188F98AB}"/>
+                <a16:creationId xmlns:a16="http://schemas.microsoft.com/office/drawing/2014/main" id="{01F019B2-9C1D-466D-A749-351B5D2F3276}"/>
               </a:ext>
             </a:extLst>
           </p:cNvPr>
@@ -1131,9 +1136,9 @@
           <a:bodyPr/>
           <a:lstStyle/>
           <a:p>
-            <a:fld id="{FB598EAC-106F-4171-9F9E-E7B25632752A}" type="datetimeFigureOut">
+            <a:fld id="{A5161D4B-C1A2-47ED-9EE4-4D6225666D43}" type="datetimeFigureOut">
               <a:rPr lang="ko-KR" altLang="en-US" smtClean="0"/>
-              <a:t>2024-06-14</a:t>
+              <a:t>2024-07-09</a:t>
             </a:fld>
             <a:endParaRPr lang="ko-KR" altLang="en-US"/>
           </a:p>
@@ -1144,7 +1149,7 @@
           <p:cNvPr id="5" name="바닥글 개체 틀 4">
             <a:extLst>
               <a:ext uri="{FF2B5EF4-FFF2-40B4-BE49-F238E27FC236}">
-                <a16:creationId xmlns:a16="http://schemas.microsoft.com/office/drawing/2014/main" id="{353FAEBD-687F-F808-560E-9C0790BCD245}"/>
+                <a16:creationId xmlns:a16="http://schemas.microsoft.com/office/drawing/2014/main" id="{F9A4DFF4-935A-B0D2-5054-D6175514FFF3}"/>
               </a:ext>
             </a:extLst>
           </p:cNvPr>
@@ -1169,7 +1174,7 @@
           <p:cNvPr id="6" name="슬라이드 번호 개체 틀 5">
             <a:extLst>
               <a:ext uri="{FF2B5EF4-FFF2-40B4-BE49-F238E27FC236}">
-                <a16:creationId xmlns:a16="http://schemas.microsoft.com/office/drawing/2014/main" id="{173E05D8-C334-4AA0-E91E-0D7AB30FC21A}"/>
+                <a16:creationId xmlns:a16="http://schemas.microsoft.com/office/drawing/2014/main" id="{9C3EEE02-B218-66DD-B5E1-80F6E2E347A3}"/>
               </a:ext>
             </a:extLst>
           </p:cNvPr>
@@ -1185,7 +1190,7 @@
           <a:bodyPr/>
           <a:lstStyle/>
           <a:p>
-            <a:fld id="{AC2E9DA6-759B-488C-96FB-E103E2D20426}" type="slidenum">
+            <a:fld id="{81ED5FD5-1762-497D-998C-B2100769709A}" type="slidenum">
               <a:rPr lang="ko-KR" altLang="en-US" smtClean="0"/>
               <a:t>‹#›</a:t>
             </a:fld>
@@ -1196,7 +1201,7 @@
     </p:spTree>
     <p:extLst>
       <p:ext uri="{BB962C8B-B14F-4D97-AF65-F5344CB8AC3E}">
-        <p14:creationId xmlns:p14="http://schemas.microsoft.com/office/powerpoint/2010/main" val="4209391031"/>
+        <p14:creationId xmlns:p14="http://schemas.microsoft.com/office/powerpoint/2010/main" val="2033486673"/>
       </p:ext>
     </p:extLst>
   </p:cSld>
@@ -1228,7 +1233,7 @@
           <p:cNvPr id="2" name="제목 1">
             <a:extLst>
               <a:ext uri="{FF2B5EF4-FFF2-40B4-BE49-F238E27FC236}">
-                <a16:creationId xmlns:a16="http://schemas.microsoft.com/office/drawing/2014/main" id="{BE5E6A0A-342F-3B3A-27B0-8718730172C2}"/>
+                <a16:creationId xmlns:a16="http://schemas.microsoft.com/office/drawing/2014/main" id="{5B62A484-3184-45AF-F3BD-9C09A852BCF9}"/>
               </a:ext>
             </a:extLst>
           </p:cNvPr>
@@ -1256,7 +1261,7 @@
           <p:cNvPr id="3" name="내용 개체 틀 2">
             <a:extLst>
               <a:ext uri="{FF2B5EF4-FFF2-40B4-BE49-F238E27FC236}">
-                <a16:creationId xmlns:a16="http://schemas.microsoft.com/office/drawing/2014/main" id="{99BE034C-F2ED-BD21-904C-46169C883EDC}"/>
+                <a16:creationId xmlns:a16="http://schemas.microsoft.com/office/drawing/2014/main" id="{8CEACA1D-4F81-BBF4-F19A-2B50AB0A456B}"/>
               </a:ext>
             </a:extLst>
           </p:cNvPr>
@@ -1318,7 +1323,7 @@
           <p:cNvPr id="4" name="내용 개체 틀 3">
             <a:extLst>
               <a:ext uri="{FF2B5EF4-FFF2-40B4-BE49-F238E27FC236}">
-                <a16:creationId xmlns:a16="http://schemas.microsoft.com/office/drawing/2014/main" id="{5E3E39E0-3C4D-101B-FDD7-AB19BB67E281}"/>
+                <a16:creationId xmlns:a16="http://schemas.microsoft.com/office/drawing/2014/main" id="{5937CFFE-A66A-31A5-D8EF-91947449AD29}"/>
               </a:ext>
             </a:extLst>
           </p:cNvPr>
@@ -1380,7 +1385,7 @@
           <p:cNvPr id="5" name="날짜 개체 틀 4">
             <a:extLst>
               <a:ext uri="{FF2B5EF4-FFF2-40B4-BE49-F238E27FC236}">
-                <a16:creationId xmlns:a16="http://schemas.microsoft.com/office/drawing/2014/main" id="{505425CB-B954-99A6-04A1-4D8C81B9879A}"/>
+                <a16:creationId xmlns:a16="http://schemas.microsoft.com/office/drawing/2014/main" id="{B952664E-E2AA-E102-DCE8-25E4E17EC2E4}"/>
               </a:ext>
             </a:extLst>
           </p:cNvPr>
@@ -1396,9 +1401,9 @@
           <a:bodyPr/>
           <a:lstStyle/>
           <a:p>
-            <a:fld id="{FB598EAC-106F-4171-9F9E-E7B25632752A}" type="datetimeFigureOut">
+            <a:fld id="{A5161D4B-C1A2-47ED-9EE4-4D6225666D43}" type="datetimeFigureOut">
               <a:rPr lang="ko-KR" altLang="en-US" smtClean="0"/>
-              <a:t>2024-06-14</a:t>
+              <a:t>2024-07-09</a:t>
             </a:fld>
             <a:endParaRPr lang="ko-KR" altLang="en-US"/>
           </a:p>
@@ -1409,7 +1414,7 @@
           <p:cNvPr id="6" name="바닥글 개체 틀 5">
             <a:extLst>
               <a:ext uri="{FF2B5EF4-FFF2-40B4-BE49-F238E27FC236}">
-                <a16:creationId xmlns:a16="http://schemas.microsoft.com/office/drawing/2014/main" id="{D0F5E496-6C8A-6268-5EC0-E661E942C8F7}"/>
+                <a16:creationId xmlns:a16="http://schemas.microsoft.com/office/drawing/2014/main" id="{95AFC6A4-2642-28C6-F671-AFD3B1B66DED}"/>
               </a:ext>
             </a:extLst>
           </p:cNvPr>
@@ -1434,7 +1439,7 @@
           <p:cNvPr id="7" name="슬라이드 번호 개체 틀 6">
             <a:extLst>
               <a:ext uri="{FF2B5EF4-FFF2-40B4-BE49-F238E27FC236}">
-                <a16:creationId xmlns:a16="http://schemas.microsoft.com/office/drawing/2014/main" id="{BC9EF782-9D30-C252-A93F-9EA09B07280C}"/>
+                <a16:creationId xmlns:a16="http://schemas.microsoft.com/office/drawing/2014/main" id="{7AAD8AA9-0F45-4550-95EC-8E1EB3EB5AFC}"/>
               </a:ext>
             </a:extLst>
           </p:cNvPr>
@@ -1450,7 +1455,7 @@
           <a:bodyPr/>
           <a:lstStyle/>
           <a:p>
-            <a:fld id="{AC2E9DA6-759B-488C-96FB-E103E2D20426}" type="slidenum">
+            <a:fld id="{81ED5FD5-1762-497D-998C-B2100769709A}" type="slidenum">
               <a:rPr lang="ko-KR" altLang="en-US" smtClean="0"/>
               <a:t>‹#›</a:t>
             </a:fld>
@@ -1461,7 +1466,7 @@
     </p:spTree>
     <p:extLst>
       <p:ext uri="{BB962C8B-B14F-4D97-AF65-F5344CB8AC3E}">
-        <p14:creationId xmlns:p14="http://schemas.microsoft.com/office/powerpoint/2010/main" val="2896595762"/>
+        <p14:creationId xmlns:p14="http://schemas.microsoft.com/office/powerpoint/2010/main" val="2453024211"/>
       </p:ext>
     </p:extLst>
   </p:cSld>
@@ -1493,7 +1498,7 @@
           <p:cNvPr id="2" name="제목 1">
             <a:extLst>
               <a:ext uri="{FF2B5EF4-FFF2-40B4-BE49-F238E27FC236}">
-                <a16:creationId xmlns:a16="http://schemas.microsoft.com/office/drawing/2014/main" id="{9AD28A55-0008-4065-CB11-BF9498D8F6AF}"/>
+                <a16:creationId xmlns:a16="http://schemas.microsoft.com/office/drawing/2014/main" id="{9CD1A16A-0534-A63D-8AE9-D743D11D9DEA}"/>
               </a:ext>
             </a:extLst>
           </p:cNvPr>
@@ -1526,7 +1531,7 @@
           <p:cNvPr id="3" name="텍스트 개체 틀 2">
             <a:extLst>
               <a:ext uri="{FF2B5EF4-FFF2-40B4-BE49-F238E27FC236}">
-                <a16:creationId xmlns:a16="http://schemas.microsoft.com/office/drawing/2014/main" id="{E822D7D0-5FC0-F485-CA56-ED4350271F60}"/>
+                <a16:creationId xmlns:a16="http://schemas.microsoft.com/office/drawing/2014/main" id="{86AD9C21-11A1-36A5-3736-F4EF695EEA01}"/>
               </a:ext>
             </a:extLst>
           </p:cNvPr>
@@ -1597,7 +1602,7 @@
           <p:cNvPr id="4" name="내용 개체 틀 3">
             <a:extLst>
               <a:ext uri="{FF2B5EF4-FFF2-40B4-BE49-F238E27FC236}">
-                <a16:creationId xmlns:a16="http://schemas.microsoft.com/office/drawing/2014/main" id="{FED52405-85CE-F28E-843B-41FA242C9106}"/>
+                <a16:creationId xmlns:a16="http://schemas.microsoft.com/office/drawing/2014/main" id="{C9A2B0B6-A83E-7435-4E02-05434A0FA9B3}"/>
               </a:ext>
             </a:extLst>
           </p:cNvPr>
@@ -1659,7 +1664,7 @@
           <p:cNvPr id="5" name="텍스트 개체 틀 4">
             <a:extLst>
               <a:ext uri="{FF2B5EF4-FFF2-40B4-BE49-F238E27FC236}">
-                <a16:creationId xmlns:a16="http://schemas.microsoft.com/office/drawing/2014/main" id="{E07C4F25-F7FF-B69B-730A-0A6472641C69}"/>
+                <a16:creationId xmlns:a16="http://schemas.microsoft.com/office/drawing/2014/main" id="{33D9511F-E57B-3C08-BC53-6F8BD75DB96E}"/>
               </a:ext>
             </a:extLst>
           </p:cNvPr>
@@ -1730,7 +1735,7 @@
           <p:cNvPr id="6" name="내용 개체 틀 5">
             <a:extLst>
               <a:ext uri="{FF2B5EF4-FFF2-40B4-BE49-F238E27FC236}">
-                <a16:creationId xmlns:a16="http://schemas.microsoft.com/office/drawing/2014/main" id="{8A821739-DFCF-99F0-4E7E-7418963A0650}"/>
+                <a16:creationId xmlns:a16="http://schemas.microsoft.com/office/drawing/2014/main" id="{3540FE6C-9F1C-BDC8-6F2D-14D28DF87B93}"/>
               </a:ext>
             </a:extLst>
           </p:cNvPr>
@@ -1792,7 +1797,7 @@
           <p:cNvPr id="7" name="날짜 개체 틀 6">
             <a:extLst>
               <a:ext uri="{FF2B5EF4-FFF2-40B4-BE49-F238E27FC236}">
-                <a16:creationId xmlns:a16="http://schemas.microsoft.com/office/drawing/2014/main" id="{215D410B-0C08-642B-8329-D4604F687A61}"/>
+                <a16:creationId xmlns:a16="http://schemas.microsoft.com/office/drawing/2014/main" id="{E6A3DE90-FE2D-B327-4027-99580005AFEB}"/>
               </a:ext>
             </a:extLst>
           </p:cNvPr>
@@ -1808,9 +1813,9 @@
           <a:bodyPr/>
           <a:lstStyle/>
           <a:p>
-            <a:fld id="{FB598EAC-106F-4171-9F9E-E7B25632752A}" type="datetimeFigureOut">
+            <a:fld id="{A5161D4B-C1A2-47ED-9EE4-4D6225666D43}" type="datetimeFigureOut">
               <a:rPr lang="ko-KR" altLang="en-US" smtClean="0"/>
-              <a:t>2024-06-14</a:t>
+              <a:t>2024-07-09</a:t>
             </a:fld>
             <a:endParaRPr lang="ko-KR" altLang="en-US"/>
           </a:p>
@@ -1821,7 +1826,7 @@
           <p:cNvPr id="8" name="바닥글 개체 틀 7">
             <a:extLst>
               <a:ext uri="{FF2B5EF4-FFF2-40B4-BE49-F238E27FC236}">
-                <a16:creationId xmlns:a16="http://schemas.microsoft.com/office/drawing/2014/main" id="{190F1B3A-C6EC-A8D0-7234-F938B6DD5145}"/>
+                <a16:creationId xmlns:a16="http://schemas.microsoft.com/office/drawing/2014/main" id="{0E4FF9B1-CCCE-5C91-4587-DFFBE5CF2188}"/>
               </a:ext>
             </a:extLst>
           </p:cNvPr>
@@ -1846,7 +1851,7 @@
           <p:cNvPr id="9" name="슬라이드 번호 개체 틀 8">
             <a:extLst>
               <a:ext uri="{FF2B5EF4-FFF2-40B4-BE49-F238E27FC236}">
-                <a16:creationId xmlns:a16="http://schemas.microsoft.com/office/drawing/2014/main" id="{B981DD15-5EFD-183A-03FE-EE74A87DEB0C}"/>
+                <a16:creationId xmlns:a16="http://schemas.microsoft.com/office/drawing/2014/main" id="{A0794E1C-A4CA-86AB-067B-432578D03FA5}"/>
               </a:ext>
             </a:extLst>
           </p:cNvPr>
@@ -1862,7 +1867,7 @@
           <a:bodyPr/>
           <a:lstStyle/>
           <a:p>
-            <a:fld id="{AC2E9DA6-759B-488C-96FB-E103E2D20426}" type="slidenum">
+            <a:fld id="{81ED5FD5-1762-497D-998C-B2100769709A}" type="slidenum">
               <a:rPr lang="ko-KR" altLang="en-US" smtClean="0"/>
               <a:t>‹#›</a:t>
             </a:fld>
@@ -1873,7 +1878,7 @@
     </p:spTree>
     <p:extLst>
       <p:ext uri="{BB962C8B-B14F-4D97-AF65-F5344CB8AC3E}">
-        <p14:creationId xmlns:p14="http://schemas.microsoft.com/office/powerpoint/2010/main" val="1279824968"/>
+        <p14:creationId xmlns:p14="http://schemas.microsoft.com/office/powerpoint/2010/main" val="1039941992"/>
       </p:ext>
     </p:extLst>
   </p:cSld>
@@ -1905,7 +1910,7 @@
           <p:cNvPr id="2" name="제목 1">
             <a:extLst>
               <a:ext uri="{FF2B5EF4-FFF2-40B4-BE49-F238E27FC236}">
-                <a16:creationId xmlns:a16="http://schemas.microsoft.com/office/drawing/2014/main" id="{DB2F1AF9-A70D-5CC1-56EB-15AC771C41B3}"/>
+                <a16:creationId xmlns:a16="http://schemas.microsoft.com/office/drawing/2014/main" id="{1371E097-D8B1-067C-0D43-0D384955AA7C}"/>
               </a:ext>
             </a:extLst>
           </p:cNvPr>
@@ -1933,7 +1938,7 @@
           <p:cNvPr id="3" name="날짜 개체 틀 2">
             <a:extLst>
               <a:ext uri="{FF2B5EF4-FFF2-40B4-BE49-F238E27FC236}">
-                <a16:creationId xmlns:a16="http://schemas.microsoft.com/office/drawing/2014/main" id="{E1292012-AD2C-2B59-0CE6-CF4F87A5D86B}"/>
+                <a16:creationId xmlns:a16="http://schemas.microsoft.com/office/drawing/2014/main" id="{DE30E85E-8DC7-4D03-0F9B-6E65A406400A}"/>
               </a:ext>
             </a:extLst>
           </p:cNvPr>
@@ -1949,9 +1954,9 @@
           <a:bodyPr/>
           <a:lstStyle/>
           <a:p>
-            <a:fld id="{FB598EAC-106F-4171-9F9E-E7B25632752A}" type="datetimeFigureOut">
+            <a:fld id="{A5161D4B-C1A2-47ED-9EE4-4D6225666D43}" type="datetimeFigureOut">
               <a:rPr lang="ko-KR" altLang="en-US" smtClean="0"/>
-              <a:t>2024-06-14</a:t>
+              <a:t>2024-07-09</a:t>
             </a:fld>
             <a:endParaRPr lang="ko-KR" altLang="en-US"/>
           </a:p>
@@ -1962,7 +1967,7 @@
           <p:cNvPr id="4" name="바닥글 개체 틀 3">
             <a:extLst>
               <a:ext uri="{FF2B5EF4-FFF2-40B4-BE49-F238E27FC236}">
-                <a16:creationId xmlns:a16="http://schemas.microsoft.com/office/drawing/2014/main" id="{F1B5B134-7BC7-1535-AEEE-FE663BEB96B9}"/>
+                <a16:creationId xmlns:a16="http://schemas.microsoft.com/office/drawing/2014/main" id="{1AE7FF73-38BA-7199-DFC0-DDD80D79A503}"/>
               </a:ext>
             </a:extLst>
           </p:cNvPr>
@@ -1987,7 +1992,7 @@
           <p:cNvPr id="5" name="슬라이드 번호 개체 틀 4">
             <a:extLst>
               <a:ext uri="{FF2B5EF4-FFF2-40B4-BE49-F238E27FC236}">
-                <a16:creationId xmlns:a16="http://schemas.microsoft.com/office/drawing/2014/main" id="{E86F35CA-BAF1-3E20-AE2C-5A903E69814C}"/>
+                <a16:creationId xmlns:a16="http://schemas.microsoft.com/office/drawing/2014/main" id="{2C8EA8C8-6837-CA8D-1D62-B0AF1AA1E0A4}"/>
               </a:ext>
             </a:extLst>
           </p:cNvPr>
@@ -2003,7 +2008,7 @@
           <a:bodyPr/>
           <a:lstStyle/>
           <a:p>
-            <a:fld id="{AC2E9DA6-759B-488C-96FB-E103E2D20426}" type="slidenum">
+            <a:fld id="{81ED5FD5-1762-497D-998C-B2100769709A}" type="slidenum">
               <a:rPr lang="ko-KR" altLang="en-US" smtClean="0"/>
               <a:t>‹#›</a:t>
             </a:fld>
@@ -2014,7 +2019,7 @@
     </p:spTree>
     <p:extLst>
       <p:ext uri="{BB962C8B-B14F-4D97-AF65-F5344CB8AC3E}">
-        <p14:creationId xmlns:p14="http://schemas.microsoft.com/office/powerpoint/2010/main" val="4071873000"/>
+        <p14:creationId xmlns:p14="http://schemas.microsoft.com/office/powerpoint/2010/main" val="3166682854"/>
       </p:ext>
     </p:extLst>
   </p:cSld>
@@ -2046,7 +2051,7 @@
           <p:cNvPr id="2" name="날짜 개체 틀 1">
             <a:extLst>
               <a:ext uri="{FF2B5EF4-FFF2-40B4-BE49-F238E27FC236}">
-                <a16:creationId xmlns:a16="http://schemas.microsoft.com/office/drawing/2014/main" id="{5DFC5556-F0A0-8807-3157-15BBD5787AEE}"/>
+                <a16:creationId xmlns:a16="http://schemas.microsoft.com/office/drawing/2014/main" id="{E7E1998F-B4DD-7D97-ED30-23B4D95DA97E}"/>
               </a:ext>
             </a:extLst>
           </p:cNvPr>
@@ -2062,9 +2067,9 @@
           <a:bodyPr/>
           <a:lstStyle/>
           <a:p>
-            <a:fld id="{FB598EAC-106F-4171-9F9E-E7B25632752A}" type="datetimeFigureOut">
+            <a:fld id="{A5161D4B-C1A2-47ED-9EE4-4D6225666D43}" type="datetimeFigureOut">
               <a:rPr lang="ko-KR" altLang="en-US" smtClean="0"/>
-              <a:t>2024-06-14</a:t>
+              <a:t>2024-07-09</a:t>
             </a:fld>
             <a:endParaRPr lang="ko-KR" altLang="en-US"/>
           </a:p>
@@ -2075,7 +2080,7 @@
           <p:cNvPr id="3" name="바닥글 개체 틀 2">
             <a:extLst>
               <a:ext uri="{FF2B5EF4-FFF2-40B4-BE49-F238E27FC236}">
-                <a16:creationId xmlns:a16="http://schemas.microsoft.com/office/drawing/2014/main" id="{32F7DC96-7078-6BFE-8354-380323138A11}"/>
+                <a16:creationId xmlns:a16="http://schemas.microsoft.com/office/drawing/2014/main" id="{72C07AD1-C7A6-1EB5-BF02-69CE3B7EF9AE}"/>
               </a:ext>
             </a:extLst>
           </p:cNvPr>
@@ -2100,7 +2105,7 @@
           <p:cNvPr id="4" name="슬라이드 번호 개체 틀 3">
             <a:extLst>
               <a:ext uri="{FF2B5EF4-FFF2-40B4-BE49-F238E27FC236}">
-                <a16:creationId xmlns:a16="http://schemas.microsoft.com/office/drawing/2014/main" id="{5A904139-C98B-1B98-9C07-B2A6484C00A3}"/>
+                <a16:creationId xmlns:a16="http://schemas.microsoft.com/office/drawing/2014/main" id="{4F332650-F9D4-CF53-7882-F55BEE40FC4A}"/>
               </a:ext>
             </a:extLst>
           </p:cNvPr>
@@ -2116,7 +2121,7 @@
           <a:bodyPr/>
           <a:lstStyle/>
           <a:p>
-            <a:fld id="{AC2E9DA6-759B-488C-96FB-E103E2D20426}" type="slidenum">
+            <a:fld id="{81ED5FD5-1762-497D-998C-B2100769709A}" type="slidenum">
               <a:rPr lang="ko-KR" altLang="en-US" smtClean="0"/>
               <a:t>‹#›</a:t>
             </a:fld>
@@ -2127,7 +2132,7 @@
     </p:spTree>
     <p:extLst>
       <p:ext uri="{BB962C8B-B14F-4D97-AF65-F5344CB8AC3E}">
-        <p14:creationId xmlns:p14="http://schemas.microsoft.com/office/powerpoint/2010/main" val="2356552059"/>
+        <p14:creationId xmlns:p14="http://schemas.microsoft.com/office/powerpoint/2010/main" val="4229618656"/>
       </p:ext>
     </p:extLst>
   </p:cSld>
@@ -2159,7 +2164,7 @@
           <p:cNvPr id="2" name="제목 1">
             <a:extLst>
               <a:ext uri="{FF2B5EF4-FFF2-40B4-BE49-F238E27FC236}">
-                <a16:creationId xmlns:a16="http://schemas.microsoft.com/office/drawing/2014/main" id="{A6149B44-5DEB-D1E3-E9E3-07A1CEB48DFC}"/>
+                <a16:creationId xmlns:a16="http://schemas.microsoft.com/office/drawing/2014/main" id="{8D531043-77C1-F460-2CFC-C77D7A1B628D}"/>
               </a:ext>
             </a:extLst>
           </p:cNvPr>
@@ -2196,7 +2201,7 @@
           <p:cNvPr id="3" name="내용 개체 틀 2">
             <a:extLst>
               <a:ext uri="{FF2B5EF4-FFF2-40B4-BE49-F238E27FC236}">
-                <a16:creationId xmlns:a16="http://schemas.microsoft.com/office/drawing/2014/main" id="{D0505189-F16F-8A52-1D78-AFA6D24D3204}"/>
+                <a16:creationId xmlns:a16="http://schemas.microsoft.com/office/drawing/2014/main" id="{65AFA999-457C-8261-96C9-C795D8BF1A36}"/>
               </a:ext>
             </a:extLst>
           </p:cNvPr>
@@ -2286,7 +2291,7 @@
           <p:cNvPr id="4" name="텍스트 개체 틀 3">
             <a:extLst>
               <a:ext uri="{FF2B5EF4-FFF2-40B4-BE49-F238E27FC236}">
-                <a16:creationId xmlns:a16="http://schemas.microsoft.com/office/drawing/2014/main" id="{953B8DED-C542-FAE0-4D16-F256115A3DCF}"/>
+                <a16:creationId xmlns:a16="http://schemas.microsoft.com/office/drawing/2014/main" id="{6D831496-0781-2B6C-8D5D-4A52185FC3CA}"/>
               </a:ext>
             </a:extLst>
           </p:cNvPr>
@@ -2357,7 +2362,7 @@
           <p:cNvPr id="5" name="날짜 개체 틀 4">
             <a:extLst>
               <a:ext uri="{FF2B5EF4-FFF2-40B4-BE49-F238E27FC236}">
-                <a16:creationId xmlns:a16="http://schemas.microsoft.com/office/drawing/2014/main" id="{02BECF28-502B-4DB3-73FB-78000286AF82}"/>
+                <a16:creationId xmlns:a16="http://schemas.microsoft.com/office/drawing/2014/main" id="{FEFC9702-FD7D-1651-9A57-679EC9DC16E4}"/>
               </a:ext>
             </a:extLst>
           </p:cNvPr>
@@ -2373,9 +2378,9 @@
           <a:bodyPr/>
           <a:lstStyle/>
           <a:p>
-            <a:fld id="{FB598EAC-106F-4171-9F9E-E7B25632752A}" type="datetimeFigureOut">
+            <a:fld id="{A5161D4B-C1A2-47ED-9EE4-4D6225666D43}" type="datetimeFigureOut">
               <a:rPr lang="ko-KR" altLang="en-US" smtClean="0"/>
-              <a:t>2024-06-14</a:t>
+              <a:t>2024-07-09</a:t>
             </a:fld>
             <a:endParaRPr lang="ko-KR" altLang="en-US"/>
           </a:p>
@@ -2386,7 +2391,7 @@
           <p:cNvPr id="6" name="바닥글 개체 틀 5">
             <a:extLst>
               <a:ext uri="{FF2B5EF4-FFF2-40B4-BE49-F238E27FC236}">
-                <a16:creationId xmlns:a16="http://schemas.microsoft.com/office/drawing/2014/main" id="{FB44ACF8-0B65-F5E4-9F9A-804819B96E34}"/>
+                <a16:creationId xmlns:a16="http://schemas.microsoft.com/office/drawing/2014/main" id="{9B52C147-7F0A-C96A-40F9-C5EF1EF17500}"/>
               </a:ext>
             </a:extLst>
           </p:cNvPr>
@@ -2411,7 +2416,7 @@
           <p:cNvPr id="7" name="슬라이드 번호 개체 틀 6">
             <a:extLst>
               <a:ext uri="{FF2B5EF4-FFF2-40B4-BE49-F238E27FC236}">
-                <a16:creationId xmlns:a16="http://schemas.microsoft.com/office/drawing/2014/main" id="{D8C93001-D25D-2589-1324-2AED28DEE9F6}"/>
+                <a16:creationId xmlns:a16="http://schemas.microsoft.com/office/drawing/2014/main" id="{D5B71F7A-BE39-23DE-8861-AAE619A0B541}"/>
               </a:ext>
             </a:extLst>
           </p:cNvPr>
@@ -2427,7 +2432,7 @@
           <a:bodyPr/>
           <a:lstStyle/>
           <a:p>
-            <a:fld id="{AC2E9DA6-759B-488C-96FB-E103E2D20426}" type="slidenum">
+            <a:fld id="{81ED5FD5-1762-497D-998C-B2100769709A}" type="slidenum">
               <a:rPr lang="ko-KR" altLang="en-US" smtClean="0"/>
               <a:t>‹#›</a:t>
             </a:fld>
@@ -2438,7 +2443,7 @@
     </p:spTree>
     <p:extLst>
       <p:ext uri="{BB962C8B-B14F-4D97-AF65-F5344CB8AC3E}">
-        <p14:creationId xmlns:p14="http://schemas.microsoft.com/office/powerpoint/2010/main" val="4116013125"/>
+        <p14:creationId xmlns:p14="http://schemas.microsoft.com/office/powerpoint/2010/main" val="1921795878"/>
       </p:ext>
     </p:extLst>
   </p:cSld>
@@ -2470,7 +2475,7 @@
           <p:cNvPr id="2" name="제목 1">
             <a:extLst>
               <a:ext uri="{FF2B5EF4-FFF2-40B4-BE49-F238E27FC236}">
-                <a16:creationId xmlns:a16="http://schemas.microsoft.com/office/drawing/2014/main" id="{16D1EBD7-DA26-C118-E2E6-88A1513D7763}"/>
+                <a16:creationId xmlns:a16="http://schemas.microsoft.com/office/drawing/2014/main" id="{6601803F-41D8-E4E0-20DD-20BEA66EEE33}"/>
               </a:ext>
             </a:extLst>
           </p:cNvPr>
@@ -2507,7 +2512,7 @@
           <p:cNvPr id="3" name="그림 개체 틀 2">
             <a:extLst>
               <a:ext uri="{FF2B5EF4-FFF2-40B4-BE49-F238E27FC236}">
-                <a16:creationId xmlns:a16="http://schemas.microsoft.com/office/drawing/2014/main" id="{43E76C41-9730-E0FF-5C90-FA3725376A0C}"/>
+                <a16:creationId xmlns:a16="http://schemas.microsoft.com/office/drawing/2014/main" id="{8B73536C-69FE-4C51-4899-A91AD4994E15}"/>
               </a:ext>
             </a:extLst>
           </p:cNvPr>
@@ -2574,7 +2579,7 @@
           <p:cNvPr id="4" name="텍스트 개체 틀 3">
             <a:extLst>
               <a:ext uri="{FF2B5EF4-FFF2-40B4-BE49-F238E27FC236}">
-                <a16:creationId xmlns:a16="http://schemas.microsoft.com/office/drawing/2014/main" id="{334A3EB4-E777-6146-6100-A5D8CBE81056}"/>
+                <a16:creationId xmlns:a16="http://schemas.microsoft.com/office/drawing/2014/main" id="{D8D405DE-23CF-62D1-FC6A-6FB0EEB09938}"/>
               </a:ext>
             </a:extLst>
           </p:cNvPr>
@@ -2645,7 +2650,7 @@
           <p:cNvPr id="5" name="날짜 개체 틀 4">
             <a:extLst>
               <a:ext uri="{FF2B5EF4-FFF2-40B4-BE49-F238E27FC236}">
-                <a16:creationId xmlns:a16="http://schemas.microsoft.com/office/drawing/2014/main" id="{6B74A76C-D364-9E41-2939-B472C751A6D1}"/>
+                <a16:creationId xmlns:a16="http://schemas.microsoft.com/office/drawing/2014/main" id="{7F04BA3B-1B7D-C7CD-C693-B9530268EB63}"/>
               </a:ext>
             </a:extLst>
           </p:cNvPr>
@@ -2661,9 +2666,9 @@
           <a:bodyPr/>
           <a:lstStyle/>
           <a:p>
-            <a:fld id="{FB598EAC-106F-4171-9F9E-E7B25632752A}" type="datetimeFigureOut">
+            <a:fld id="{A5161D4B-C1A2-47ED-9EE4-4D6225666D43}" type="datetimeFigureOut">
               <a:rPr lang="ko-KR" altLang="en-US" smtClean="0"/>
-              <a:t>2024-06-14</a:t>
+              <a:t>2024-07-09</a:t>
             </a:fld>
             <a:endParaRPr lang="ko-KR" altLang="en-US"/>
           </a:p>
@@ -2674,7 +2679,7 @@
           <p:cNvPr id="6" name="바닥글 개체 틀 5">
             <a:extLst>
               <a:ext uri="{FF2B5EF4-FFF2-40B4-BE49-F238E27FC236}">
-                <a16:creationId xmlns:a16="http://schemas.microsoft.com/office/drawing/2014/main" id="{7D38DE20-BFA4-46C8-A0FD-230E9BC2DC24}"/>
+                <a16:creationId xmlns:a16="http://schemas.microsoft.com/office/drawing/2014/main" id="{0462F718-3503-1180-DDB3-9E2B5C415E3B}"/>
               </a:ext>
             </a:extLst>
           </p:cNvPr>
@@ -2699,7 +2704,7 @@
           <p:cNvPr id="7" name="슬라이드 번호 개체 틀 6">
             <a:extLst>
               <a:ext uri="{FF2B5EF4-FFF2-40B4-BE49-F238E27FC236}">
-                <a16:creationId xmlns:a16="http://schemas.microsoft.com/office/drawing/2014/main" id="{D392DD2A-1935-CCC6-0B51-9CC2271986F9}"/>
+                <a16:creationId xmlns:a16="http://schemas.microsoft.com/office/drawing/2014/main" id="{D04342CE-0646-B5D3-BE40-48F71F407F7E}"/>
               </a:ext>
             </a:extLst>
           </p:cNvPr>
@@ -2715,7 +2720,7 @@
           <a:bodyPr/>
           <a:lstStyle/>
           <a:p>
-            <a:fld id="{AC2E9DA6-759B-488C-96FB-E103E2D20426}" type="slidenum">
+            <a:fld id="{81ED5FD5-1762-497D-998C-B2100769709A}" type="slidenum">
               <a:rPr lang="ko-KR" altLang="en-US" smtClean="0"/>
               <a:t>‹#›</a:t>
             </a:fld>
@@ -2726,7 +2731,7 @@
     </p:spTree>
     <p:extLst>
       <p:ext uri="{BB962C8B-B14F-4D97-AF65-F5344CB8AC3E}">
-        <p14:creationId xmlns:p14="http://schemas.microsoft.com/office/powerpoint/2010/main" val="1745729854"/>
+        <p14:creationId xmlns:p14="http://schemas.microsoft.com/office/powerpoint/2010/main" val="2900653978"/>
       </p:ext>
     </p:extLst>
   </p:cSld>
@@ -2763,7 +2768,7 @@
           <p:cNvPr id="2" name="제목 개체 틀 1">
             <a:extLst>
               <a:ext uri="{FF2B5EF4-FFF2-40B4-BE49-F238E27FC236}">
-                <a16:creationId xmlns:a16="http://schemas.microsoft.com/office/drawing/2014/main" id="{C4088A60-067E-E99D-A0D9-CCF990721EE1}"/>
+                <a16:creationId xmlns:a16="http://schemas.microsoft.com/office/drawing/2014/main" id="{671AC9BD-F508-BD48-B89A-BF1A9C9A3E82}"/>
               </a:ext>
             </a:extLst>
           </p:cNvPr>
@@ -2801,7 +2806,7 @@
           <p:cNvPr id="3" name="텍스트 개체 틀 2">
             <a:extLst>
               <a:ext uri="{FF2B5EF4-FFF2-40B4-BE49-F238E27FC236}">
-                <a16:creationId xmlns:a16="http://schemas.microsoft.com/office/drawing/2014/main" id="{D6EDF4B0-7B93-5872-B595-3C994C48BC21}"/>
+                <a16:creationId xmlns:a16="http://schemas.microsoft.com/office/drawing/2014/main" id="{2DBD54CC-DA62-3B47-BA65-E64AB17C8A0A}"/>
               </a:ext>
             </a:extLst>
           </p:cNvPr>
@@ -2868,7 +2873,7 @@
           <p:cNvPr id="4" name="날짜 개체 틀 3">
             <a:extLst>
               <a:ext uri="{FF2B5EF4-FFF2-40B4-BE49-F238E27FC236}">
-                <a16:creationId xmlns:a16="http://schemas.microsoft.com/office/drawing/2014/main" id="{26C9A2B1-9CC7-3F1A-A227-20F6558D81AF}"/>
+                <a16:creationId xmlns:a16="http://schemas.microsoft.com/office/drawing/2014/main" id="{83DAAFD8-C942-E9A1-D62E-9E7D763C0E24}"/>
               </a:ext>
             </a:extLst>
           </p:cNvPr>
@@ -2902,9 +2907,9 @@
             </a:lvl1pPr>
           </a:lstStyle>
           <a:p>
-            <a:fld id="{FB598EAC-106F-4171-9F9E-E7B25632752A}" type="datetimeFigureOut">
+            <a:fld id="{A5161D4B-C1A2-47ED-9EE4-4D6225666D43}" type="datetimeFigureOut">
               <a:rPr lang="ko-KR" altLang="en-US" smtClean="0"/>
-              <a:t>2024-06-14</a:t>
+              <a:t>2024-07-09</a:t>
             </a:fld>
             <a:endParaRPr lang="ko-KR" altLang="en-US"/>
           </a:p>
@@ -2915,7 +2920,7 @@
           <p:cNvPr id="5" name="바닥글 개체 틀 4">
             <a:extLst>
               <a:ext uri="{FF2B5EF4-FFF2-40B4-BE49-F238E27FC236}">
-                <a16:creationId xmlns:a16="http://schemas.microsoft.com/office/drawing/2014/main" id="{CA75D660-268C-4DF7-2F8E-C235B5E1CA6E}"/>
+                <a16:creationId xmlns:a16="http://schemas.microsoft.com/office/drawing/2014/main" id="{E9640F9F-FD67-08AD-426A-82859CD751F4}"/>
               </a:ext>
             </a:extLst>
           </p:cNvPr>
@@ -2958,7 +2963,7 @@
           <p:cNvPr id="6" name="슬라이드 번호 개체 틀 5">
             <a:extLst>
               <a:ext uri="{FF2B5EF4-FFF2-40B4-BE49-F238E27FC236}">
-                <a16:creationId xmlns:a16="http://schemas.microsoft.com/office/drawing/2014/main" id="{B4DB1463-A3B7-D827-2B8E-9E4F3F36D340}"/>
+                <a16:creationId xmlns:a16="http://schemas.microsoft.com/office/drawing/2014/main" id="{7A83F203-2A76-9196-D6A6-738BAC708293}"/>
               </a:ext>
             </a:extLst>
           </p:cNvPr>
@@ -2992,7 +2997,7 @@
             </a:lvl1pPr>
           </a:lstStyle>
           <a:p>
-            <a:fld id="{AC2E9DA6-759B-488C-96FB-E103E2D20426}" type="slidenum">
+            <a:fld id="{81ED5FD5-1762-497D-998C-B2100769709A}" type="slidenum">
               <a:rPr lang="ko-KR" altLang="en-US" smtClean="0"/>
               <a:t>‹#›</a:t>
             </a:fld>
@@ -3003,7 +3008,7 @@
     </p:spTree>
     <p:extLst>
       <p:ext uri="{BB962C8B-B14F-4D97-AF65-F5344CB8AC3E}">
-        <p14:creationId xmlns:p14="http://schemas.microsoft.com/office/powerpoint/2010/main" val="2258972714"/>
+        <p14:creationId xmlns:p14="http://schemas.microsoft.com/office/powerpoint/2010/main" val="4015906324"/>
       </p:ext>
     </p:extLst>
   </p:cSld>
@@ -3323,58 +3328,189 @@
       </p:grpSpPr>
       <p:sp>
         <p:nvSpPr>
-          <p:cNvPr id="2" name="제목 1">
-            <a:extLst>
-              <a:ext uri="{FF2B5EF4-FFF2-40B4-BE49-F238E27FC236}">
-                <a16:creationId xmlns:a16="http://schemas.microsoft.com/office/drawing/2014/main" id="{670BDA30-4145-4040-6227-9201C46B838F}"/>
-              </a:ext>
-            </a:extLst>
-          </p:cNvPr>
-          <p:cNvSpPr>
-            <a:spLocks noGrp="1"/>
-          </p:cNvSpPr>
-          <p:nvPr>
-            <p:ph type="ctrTitle"/>
-          </p:nvPr>
-        </p:nvSpPr>
-        <p:spPr/>
-        <p:txBody>
-          <a:bodyPr/>
-          <a:lstStyle/>
-          <a:p>
-            <a:endParaRPr lang="ko-KR" altLang="en-US"/>
-          </a:p>
-        </p:txBody>
-      </p:sp>
-      <p:sp>
-        <p:nvSpPr>
-          <p:cNvPr id="3" name="부제목 2">
-            <a:extLst>
-              <a:ext uri="{FF2B5EF4-FFF2-40B4-BE49-F238E27FC236}">
-                <a16:creationId xmlns:a16="http://schemas.microsoft.com/office/drawing/2014/main" id="{15AD11AF-4A92-EC27-0F9F-175749E0C4E5}"/>
-              </a:ext>
-            </a:extLst>
-          </p:cNvPr>
-          <p:cNvSpPr>
-            <a:spLocks noGrp="1"/>
-          </p:cNvSpPr>
-          <p:nvPr>
-            <p:ph type="subTitle" idx="1"/>
-          </p:nvPr>
-        </p:nvSpPr>
-        <p:spPr/>
-        <p:txBody>
-          <a:bodyPr/>
-          <a:lstStyle/>
-          <a:p>
-            <a:endParaRPr lang="ko-KR" altLang="en-US"/>
+          <p:cNvPr id="3" name="TextBox 2">
+            <a:extLst>
+              <a:ext uri="{FF2B5EF4-FFF2-40B4-BE49-F238E27FC236}">
+                <a16:creationId xmlns:a16="http://schemas.microsoft.com/office/drawing/2014/main" id="{9E47201F-8B36-6848-07B1-29EAD456B936}"/>
+              </a:ext>
+            </a:extLst>
+          </p:cNvPr>
+          <p:cNvSpPr txBox="1"/>
+          <p:nvPr/>
+        </p:nvSpPr>
+        <p:spPr>
+          <a:xfrm>
+            <a:off x="728663" y="671513"/>
+            <a:ext cx="10487025" cy="4708981"/>
+          </a:xfrm>
+          <a:prstGeom prst="rect">
+            <a:avLst/>
+          </a:prstGeom>
+          <a:noFill/>
+        </p:spPr>
+        <p:txBody>
+          <a:bodyPr wrap="square" rtlCol="0">
+            <a:spAutoFit/>
+          </a:bodyPr>
+          <a:lstStyle/>
+          <a:p>
+            <a:r>
+              <a:rPr lang="en-US" altLang="ko-KR" sz="2000" dirty="0"/>
+              <a:t>1) </a:t>
+            </a:r>
+            <a:r>
+              <a:rPr lang="ko-KR" altLang="en-US" sz="2000" dirty="0" err="1"/>
+              <a:t>반응형웹디자인</a:t>
+            </a:r>
+            <a:endParaRPr lang="en-US" altLang="ko-KR" sz="2000" dirty="0"/>
+          </a:p>
+          <a:p>
+            <a:endParaRPr lang="en-US" altLang="ko-KR" sz="2000" dirty="0"/>
+          </a:p>
+          <a:p>
+            <a:r>
+              <a:rPr lang="en-US" altLang="ko-KR" sz="2000" dirty="0"/>
+              <a:t>2) </a:t>
+            </a:r>
+            <a:r>
+              <a:rPr lang="ko-KR" altLang="en-US" sz="2000" dirty="0"/>
+              <a:t>폴더 아이디어추가</a:t>
+            </a:r>
+            <a:endParaRPr lang="en-US" altLang="ko-KR" sz="2000" dirty="0"/>
+          </a:p>
+          <a:p>
+            <a:endParaRPr lang="en-US" altLang="ko-KR" sz="2000" dirty="0"/>
+          </a:p>
+          <a:p>
+            <a:r>
+              <a:rPr lang="en-US" altLang="ko-KR" sz="2000" dirty="0"/>
+              <a:t>3) </a:t>
+            </a:r>
+            <a:r>
+              <a:rPr lang="ko-KR" altLang="en-US" sz="2000" dirty="0"/>
+              <a:t>컬러 </a:t>
+            </a:r>
+            <a:r>
+              <a:rPr lang="en-US" altLang="ko-KR" sz="2000"/>
+              <a:t>– </a:t>
+            </a:r>
+            <a:r>
+              <a:rPr lang="ko-KR" altLang="en-US" sz="2000"/>
+              <a:t>호버색구별</a:t>
+            </a:r>
+            <a:endParaRPr lang="en-US" altLang="ko-KR" sz="2000" dirty="0"/>
+          </a:p>
+          <a:p>
+            <a:r>
+              <a:rPr lang="ko-KR" altLang="en-US" sz="2000" dirty="0"/>
+              <a:t>카카오 </a:t>
+            </a:r>
+            <a:r>
+              <a:rPr lang="ko-KR" altLang="en-US" sz="2000" dirty="0" err="1"/>
+              <a:t>시그니처</a:t>
+            </a:r>
+            <a:r>
+              <a:rPr lang="ko-KR" altLang="en-US" sz="2000" dirty="0"/>
+              <a:t> 컬러 사용으로 기업 컬러의 아이덴티티 나타냄</a:t>
+            </a:r>
+            <a:endParaRPr lang="en-US" altLang="ko-KR" sz="2000" dirty="0"/>
+          </a:p>
+          <a:p>
+            <a:r>
+              <a:rPr lang="en-US" altLang="ko-KR" sz="2000" dirty="0"/>
+              <a:t>#f1de31 </a:t>
+            </a:r>
+            <a:r>
+              <a:rPr lang="ko-KR" altLang="en-US" sz="2000" dirty="0"/>
+              <a:t>노란색</a:t>
+            </a:r>
+            <a:endParaRPr lang="en-US" altLang="ko-KR" sz="2000" dirty="0"/>
+          </a:p>
+          <a:p>
+            <a:r>
+              <a:rPr lang="en-US" altLang="ko-KR" sz="2000" dirty="0"/>
+              <a:t>#2e373c </a:t>
+            </a:r>
+            <a:r>
+              <a:rPr lang="ko-KR" altLang="en-US" sz="2000" dirty="0" err="1"/>
+              <a:t>진한회색</a:t>
+            </a:r>
+            <a:endParaRPr lang="en-US" altLang="ko-KR" sz="2000" dirty="0"/>
+          </a:p>
+          <a:p>
+            <a:r>
+              <a:rPr lang="en-US" altLang="ko-KR" sz="2000" dirty="0"/>
+              <a:t>#eee </a:t>
+            </a:r>
+            <a:r>
+              <a:rPr lang="ko-KR" altLang="en-US" sz="2000" dirty="0" err="1"/>
+              <a:t>회색호버</a:t>
+            </a:r>
+            <a:endParaRPr lang="en-US" altLang="ko-KR" sz="2000" dirty="0"/>
+          </a:p>
+          <a:p>
+            <a:endParaRPr lang="en-US" altLang="ko-KR" sz="2000" dirty="0"/>
+          </a:p>
+          <a:p>
+            <a:r>
+              <a:rPr lang="en-US" altLang="ko-KR" sz="2000" dirty="0"/>
+              <a:t>4) SCSS</a:t>
+            </a:r>
+            <a:r>
+              <a:rPr lang="ko-KR" altLang="en-US" sz="2000" dirty="0"/>
+              <a:t>사용</a:t>
+            </a:r>
+            <a:endParaRPr lang="en-US" altLang="ko-KR" sz="2000" dirty="0"/>
+          </a:p>
+          <a:p>
+            <a:endParaRPr lang="en-US" altLang="ko-KR" sz="2000" dirty="0"/>
+          </a:p>
+          <a:p>
+            <a:r>
+              <a:rPr lang="en-US" altLang="ko-KR" sz="2000" dirty="0"/>
+              <a:t>5) </a:t>
+            </a:r>
+            <a:r>
+              <a:rPr lang="ko-KR" altLang="en-US" sz="2000" dirty="0" err="1"/>
+              <a:t>가로바</a:t>
+            </a:r>
+            <a:r>
+              <a:rPr lang="ko-KR" altLang="en-US" sz="2000" dirty="0"/>
+              <a:t> 사용 및 고정</a:t>
+            </a:r>
+            <a:endParaRPr lang="en-US" altLang="ko-KR" sz="2000" dirty="0"/>
+          </a:p>
+          <a:p>
+            <a:endParaRPr lang="en-US" altLang="ko-KR" sz="2000" dirty="0"/>
+          </a:p>
+          <a:p>
+            <a:r>
+              <a:rPr lang="en-US" altLang="ko-KR" sz="2000" dirty="0"/>
+              <a:t>6) </a:t>
+            </a:r>
+            <a:r>
+              <a:rPr lang="ko-KR" altLang="en-US" sz="2000" dirty="0" err="1"/>
+              <a:t>채팅방</a:t>
+            </a:r>
+            <a:r>
+              <a:rPr lang="ko-KR" altLang="en-US" sz="2000" dirty="0"/>
+              <a:t> </a:t>
+            </a:r>
+            <a:r>
+              <a:rPr lang="ko-KR" altLang="en-US" sz="2000" dirty="0" err="1"/>
+              <a:t>애니매이션</a:t>
+            </a:r>
+            <a:r>
+              <a:rPr lang="ko-KR" altLang="en-US" sz="2000" dirty="0"/>
+              <a:t> 사용</a:t>
+            </a:r>
           </a:p>
         </p:txBody>
       </p:sp>
     </p:spTree>
     <p:extLst>
       <p:ext uri="{BB962C8B-B14F-4D97-AF65-F5344CB8AC3E}">
-        <p14:creationId xmlns:p14="http://schemas.microsoft.com/office/powerpoint/2010/main" val="1064468094"/>
+        <p14:creationId xmlns:p14="http://schemas.microsoft.com/office/powerpoint/2010/main" val="3584087775"/>
       </p:ext>
     </p:extLst>
   </p:cSld>
